--- a/Weekly Assignments/Spring Assignment 4- Poster/MyPi Poster.pptx
+++ b/Weekly Assignments/Spring Assignment 4- Poster/MyPi Poster.pptx
@@ -117,12 +117,12 @@
   <pc:docChgLst>
     <pc:chgData name="Hacker, Jackson (hackerjs)" userId="042fad9f-2b48-4e59-b8c7-b026b5b9983f" providerId="ADAL" clId="{BF85940B-0966-4B3F-A113-4ADDB8C587FF}"/>
     <pc:docChg chg="undo custSel addSld modSld">
-      <pc:chgData name="Hacker, Jackson (hackerjs)" userId="042fad9f-2b48-4e59-b8c7-b026b5b9983f" providerId="ADAL" clId="{BF85940B-0966-4B3F-A113-4ADDB8C587FF}" dt="2023-03-01T21:05:54.395" v="2795" actId="1076"/>
+      <pc:chgData name="Hacker, Jackson (hackerjs)" userId="042fad9f-2b48-4e59-b8c7-b026b5b9983f" providerId="ADAL" clId="{BF85940B-0966-4B3F-A113-4ADDB8C587FF}" dt="2023-03-20T20:32:46.747" v="2821" actId="1076"/>
       <pc:docMkLst>
         <pc:docMk/>
       </pc:docMkLst>
       <pc:sldChg chg="addSp delSp modSp new mod setBg">
-        <pc:chgData name="Hacker, Jackson (hackerjs)" userId="042fad9f-2b48-4e59-b8c7-b026b5b9983f" providerId="ADAL" clId="{BF85940B-0966-4B3F-A113-4ADDB8C587FF}" dt="2023-03-01T21:05:54.395" v="2795" actId="1076"/>
+        <pc:chgData name="Hacker, Jackson (hackerjs)" userId="042fad9f-2b48-4e59-b8c7-b026b5b9983f" providerId="ADAL" clId="{BF85940B-0966-4B3F-A113-4ADDB8C587FF}" dt="2023-03-20T20:32:46.747" v="2821" actId="1076"/>
         <pc:sldMkLst>
           <pc:docMk/>
           <pc:sldMk cId="604955913" sldId="256"/>
@@ -152,7 +152,7 @@
           </ac:spMkLst>
         </pc:spChg>
         <pc:spChg chg="add mod">
-          <ac:chgData name="Hacker, Jackson (hackerjs)" userId="042fad9f-2b48-4e59-b8c7-b026b5b9983f" providerId="ADAL" clId="{BF85940B-0966-4B3F-A113-4ADDB8C587FF}" dt="2023-03-01T20:07:30.804" v="1090" actId="14100"/>
+          <ac:chgData name="Hacker, Jackson (hackerjs)" userId="042fad9f-2b48-4e59-b8c7-b026b5b9983f" providerId="ADAL" clId="{BF85940B-0966-4B3F-A113-4ADDB8C587FF}" dt="2023-03-20T20:32:46.747" v="2821" actId="1076"/>
           <ac:spMkLst>
             <pc:docMk/>
             <pc:sldMk cId="604955913" sldId="256"/>
@@ -184,7 +184,7 @@
           </ac:spMkLst>
         </pc:spChg>
         <pc:spChg chg="add mod">
-          <ac:chgData name="Hacker, Jackson (hackerjs)" userId="042fad9f-2b48-4e59-b8c7-b026b5b9983f" providerId="ADAL" clId="{BF85940B-0966-4B3F-A113-4ADDB8C587FF}" dt="2023-03-01T03:00:42.875" v="821" actId="113"/>
+          <ac:chgData name="Hacker, Jackson (hackerjs)" userId="042fad9f-2b48-4e59-b8c7-b026b5b9983f" providerId="ADAL" clId="{BF85940B-0966-4B3F-A113-4ADDB8C587FF}" dt="2023-03-20T20:30:11.705" v="2818" actId="20577"/>
           <ac:spMkLst>
             <pc:docMk/>
             <pc:sldMk cId="604955913" sldId="256"/>
@@ -232,7 +232,7 @@
           </ac:spMkLst>
         </pc:spChg>
         <pc:spChg chg="add mod">
-          <ac:chgData name="Hacker, Jackson (hackerjs)" userId="042fad9f-2b48-4e59-b8c7-b026b5b9983f" providerId="ADAL" clId="{BF85940B-0966-4B3F-A113-4ADDB8C587FF}" dt="2023-03-01T20:08:56.839" v="1123" actId="1076"/>
+          <ac:chgData name="Hacker, Jackson (hackerjs)" userId="042fad9f-2b48-4e59-b8c7-b026b5b9983f" providerId="ADAL" clId="{BF85940B-0966-4B3F-A113-4ADDB8C587FF}" dt="2023-03-20T20:32:46.747" v="2821" actId="1076"/>
           <ac:spMkLst>
             <pc:docMk/>
             <pc:sldMk cId="604955913" sldId="256"/>
@@ -328,7 +328,7 @@
           </ac:spMkLst>
         </pc:spChg>
         <pc:spChg chg="add mod">
-          <ac:chgData name="Hacker, Jackson (hackerjs)" userId="042fad9f-2b48-4e59-b8c7-b026b5b9983f" providerId="ADAL" clId="{BF85940B-0966-4B3F-A113-4ADDB8C587FF}" dt="2023-03-01T20:19:29.596" v="1872" actId="1076"/>
+          <ac:chgData name="Hacker, Jackson (hackerjs)" userId="042fad9f-2b48-4e59-b8c7-b026b5b9983f" providerId="ADAL" clId="{BF85940B-0966-4B3F-A113-4ADDB8C587FF}" dt="2023-03-20T20:32:46.747" v="2821" actId="1076"/>
           <ac:spMkLst>
             <pc:docMk/>
             <pc:sldMk cId="604955913" sldId="256"/>
@@ -336,7 +336,7 @@
           </ac:spMkLst>
         </pc:spChg>
         <pc:spChg chg="add del mod">
-          <ac:chgData name="Hacker, Jackson (hackerjs)" userId="042fad9f-2b48-4e59-b8c7-b026b5b9983f" providerId="ADAL" clId="{BF85940B-0966-4B3F-A113-4ADDB8C587FF}" dt="2023-03-01T20:19:52.424" v="1886" actId="20577"/>
+          <ac:chgData name="Hacker, Jackson (hackerjs)" userId="042fad9f-2b48-4e59-b8c7-b026b5b9983f" providerId="ADAL" clId="{BF85940B-0966-4B3F-A113-4ADDB8C587FF}" dt="2023-03-20T20:32:46.747" v="2821" actId="1076"/>
           <ac:spMkLst>
             <pc:docMk/>
             <pc:sldMk cId="604955913" sldId="256"/>
@@ -424,6 +424,14 @@
           </ac:picMkLst>
         </pc:picChg>
         <pc:picChg chg="add mod">
+          <ac:chgData name="Hacker, Jackson (hackerjs)" userId="042fad9f-2b48-4e59-b8c7-b026b5b9983f" providerId="ADAL" clId="{BF85940B-0966-4B3F-A113-4ADDB8C587FF}" dt="2023-03-20T20:30:00.967" v="2802" actId="1076"/>
+          <ac:picMkLst>
+            <pc:docMk/>
+            <pc:sldMk cId="604955913" sldId="256"/>
+            <ac:picMk id="24" creationId="{211086CE-5994-D701-5E79-E05200DD9150}"/>
+          </ac:picMkLst>
+        </pc:picChg>
+        <pc:picChg chg="add mod">
           <ac:chgData name="Hacker, Jackson (hackerjs)" userId="042fad9f-2b48-4e59-b8c7-b026b5b9983f" providerId="ADAL" clId="{BF85940B-0966-4B3F-A113-4ADDB8C587FF}" dt="2023-03-01T20:20:54.523" v="1889" actId="1076"/>
           <ac:picMkLst>
             <pc:docMk/>
@@ -463,8 +471,8 @@
             <ac:picMk id="1032" creationId="{303563B3-1E3F-1EEB-1982-85428FAFF714}"/>
           </ac:picMkLst>
         </pc:picChg>
-        <pc:picChg chg="add mod">
-          <ac:chgData name="Hacker, Jackson (hackerjs)" userId="042fad9f-2b48-4e59-b8c7-b026b5b9983f" providerId="ADAL" clId="{BF85940B-0966-4B3F-A113-4ADDB8C587FF}" dt="2023-03-01T02:52:31.400" v="732" actId="1076"/>
+        <pc:picChg chg="add del mod">
+          <ac:chgData name="Hacker, Jackson (hackerjs)" userId="042fad9f-2b48-4e59-b8c7-b026b5b9983f" providerId="ADAL" clId="{BF85940B-0966-4B3F-A113-4ADDB8C587FF}" dt="2023-03-20T20:29:54.238" v="2801" actId="478"/>
           <ac:picMkLst>
             <pc:docMk/>
             <pc:sldMk cId="604955913" sldId="256"/>
@@ -624,7 +632,7 @@
           <a:p>
             <a:fld id="{52ED3751-0AD1-46D3-AE65-82D65B45972D}" type="datetimeFigureOut">
               <a:rPr lang="en-US" smtClean="0"/>
-              <a:t>3/1/2023</a:t>
+              <a:t>3/20/2023</a:t>
             </a:fld>
             <a:endParaRPr lang="en-US"/>
           </a:p>
@@ -794,7 +802,7 @@
           <a:p>
             <a:fld id="{52ED3751-0AD1-46D3-AE65-82D65B45972D}" type="datetimeFigureOut">
               <a:rPr lang="en-US" smtClean="0"/>
-              <a:t>3/1/2023</a:t>
+              <a:t>3/20/2023</a:t>
             </a:fld>
             <a:endParaRPr lang="en-US"/>
           </a:p>
@@ -974,7 +982,7 @@
           <a:p>
             <a:fld id="{52ED3751-0AD1-46D3-AE65-82D65B45972D}" type="datetimeFigureOut">
               <a:rPr lang="en-US" smtClean="0"/>
-              <a:t>3/1/2023</a:t>
+              <a:t>3/20/2023</a:t>
             </a:fld>
             <a:endParaRPr lang="en-US"/>
           </a:p>
@@ -1144,7 +1152,7 @@
           <a:p>
             <a:fld id="{52ED3751-0AD1-46D3-AE65-82D65B45972D}" type="datetimeFigureOut">
               <a:rPr lang="en-US" smtClean="0"/>
-              <a:t>3/1/2023</a:t>
+              <a:t>3/20/2023</a:t>
             </a:fld>
             <a:endParaRPr lang="en-US"/>
           </a:p>
@@ -1388,7 +1396,7 @@
           <a:p>
             <a:fld id="{52ED3751-0AD1-46D3-AE65-82D65B45972D}" type="datetimeFigureOut">
               <a:rPr lang="en-US" smtClean="0"/>
-              <a:t>3/1/2023</a:t>
+              <a:t>3/20/2023</a:t>
             </a:fld>
             <a:endParaRPr lang="en-US"/>
           </a:p>
@@ -1620,7 +1628,7 @@
           <a:p>
             <a:fld id="{52ED3751-0AD1-46D3-AE65-82D65B45972D}" type="datetimeFigureOut">
               <a:rPr lang="en-US" smtClean="0"/>
-              <a:t>3/1/2023</a:t>
+              <a:t>3/20/2023</a:t>
             </a:fld>
             <a:endParaRPr lang="en-US"/>
           </a:p>
@@ -1987,7 +1995,7 @@
           <a:p>
             <a:fld id="{52ED3751-0AD1-46D3-AE65-82D65B45972D}" type="datetimeFigureOut">
               <a:rPr lang="en-US" smtClean="0"/>
-              <a:t>3/1/2023</a:t>
+              <a:t>3/20/2023</a:t>
             </a:fld>
             <a:endParaRPr lang="en-US"/>
           </a:p>
@@ -2105,7 +2113,7 @@
           <a:p>
             <a:fld id="{52ED3751-0AD1-46D3-AE65-82D65B45972D}" type="datetimeFigureOut">
               <a:rPr lang="en-US" smtClean="0"/>
-              <a:t>3/1/2023</a:t>
+              <a:t>3/20/2023</a:t>
             </a:fld>
             <a:endParaRPr lang="en-US"/>
           </a:p>
@@ -2200,7 +2208,7 @@
           <a:p>
             <a:fld id="{52ED3751-0AD1-46D3-AE65-82D65B45972D}" type="datetimeFigureOut">
               <a:rPr lang="en-US" smtClean="0"/>
-              <a:t>3/1/2023</a:t>
+              <a:t>3/20/2023</a:t>
             </a:fld>
             <a:endParaRPr lang="en-US"/>
           </a:p>
@@ -2477,7 +2485,7 @@
           <a:p>
             <a:fld id="{52ED3751-0AD1-46D3-AE65-82D65B45972D}" type="datetimeFigureOut">
               <a:rPr lang="en-US" smtClean="0"/>
-              <a:t>3/1/2023</a:t>
+              <a:t>3/20/2023</a:t>
             </a:fld>
             <a:endParaRPr lang="en-US"/>
           </a:p>
@@ -2734,7 +2742,7 @@
           <a:p>
             <a:fld id="{52ED3751-0AD1-46D3-AE65-82D65B45972D}" type="datetimeFigureOut">
               <a:rPr lang="en-US" smtClean="0"/>
-              <a:t>3/1/2023</a:t>
+              <a:t>3/20/2023</a:t>
             </a:fld>
             <a:endParaRPr lang="en-US"/>
           </a:p>
@@ -2947,7 +2955,7 @@
           <a:p>
             <a:fld id="{52ED3751-0AD1-46D3-AE65-82D65B45972D}" type="datetimeFigureOut">
               <a:rPr lang="en-US" smtClean="0"/>
-              <a:t>3/1/2023</a:t>
+              <a:t>3/20/2023</a:t>
             </a:fld>
             <a:endParaRPr lang="en-US"/>
           </a:p>
@@ -3900,10 +3908,10 @@
       </p:pic>
       <p:pic>
         <p:nvPicPr>
-          <p:cNvPr id="1034" name="Picture 10" descr="Socket.IO - Wikipedia">
+          <p:cNvPr id="1036" name="Picture 12" descr="react-native-logo - Secret Source Web">
             <a:extLst>
               <a:ext uri="{FF2B5EF4-FFF2-40B4-BE49-F238E27FC236}">
-                <a16:creationId xmlns:a16="http://schemas.microsoft.com/office/drawing/2014/main" id="{6AC50F98-79A2-4796-A7AF-3048FE9E7A7A}"/>
+                <a16:creationId xmlns:a16="http://schemas.microsoft.com/office/drawing/2014/main" id="{521987E2-0C04-7755-C75C-E8D47FF75957}"/>
               </a:ext>
             </a:extLst>
           </p:cNvPr>
@@ -3927,8 +3935,8 @@
         </p:blipFill>
         <p:spPr bwMode="auto">
           <a:xfrm>
-            <a:off x="19588184" y="13146459"/>
-            <a:ext cx="3010589" cy="3010589"/>
+            <a:off x="19750764" y="16779640"/>
+            <a:ext cx="2989072" cy="2989072"/>
           </a:xfrm>
           <a:prstGeom prst="rect">
             <a:avLst/>
@@ -3947,10 +3955,10 @@
       </p:pic>
       <p:pic>
         <p:nvPicPr>
-          <p:cNvPr id="1036" name="Picture 12" descr="react-native-logo - Secret Source Web">
+          <p:cNvPr id="1038" name="Picture 14">
             <a:extLst>
               <a:ext uri="{FF2B5EF4-FFF2-40B4-BE49-F238E27FC236}">
-                <a16:creationId xmlns:a16="http://schemas.microsoft.com/office/drawing/2014/main" id="{521987E2-0C04-7755-C75C-E8D47FF75957}"/>
+                <a16:creationId xmlns:a16="http://schemas.microsoft.com/office/drawing/2014/main" id="{6499D91C-2A0B-595F-05C8-B2EC2D95C82F}"/>
               </a:ext>
             </a:extLst>
           </p:cNvPr>
@@ -3974,8 +3982,8 @@
         </p:blipFill>
         <p:spPr bwMode="auto">
           <a:xfrm>
-            <a:off x="19750764" y="16779640"/>
-            <a:ext cx="2989072" cy="2989072"/>
+            <a:off x="16211950" y="16713389"/>
+            <a:ext cx="2920013" cy="3199672"/>
           </a:xfrm>
           <a:prstGeom prst="rect">
             <a:avLst/>
@@ -3992,53 +4000,6 @@
           </a:extLst>
         </p:spPr>
       </p:pic>
-      <p:pic>
-        <p:nvPicPr>
-          <p:cNvPr id="1038" name="Picture 14">
-            <a:extLst>
-              <a:ext uri="{FF2B5EF4-FFF2-40B4-BE49-F238E27FC236}">
-                <a16:creationId xmlns:a16="http://schemas.microsoft.com/office/drawing/2014/main" id="{6499D91C-2A0B-595F-05C8-B2EC2D95C82F}"/>
-              </a:ext>
-            </a:extLst>
-          </p:cNvPr>
-          <p:cNvPicPr>
-            <a:picLocks noChangeAspect="1" noChangeArrowheads="1"/>
-          </p:cNvPicPr>
-          <p:nvPr/>
-        </p:nvPicPr>
-        <p:blipFill>
-          <a:blip r:embed="rId9">
-            <a:extLst>
-              <a:ext uri="{28A0092B-C50C-407E-A947-70E740481C1C}">
-                <a14:useLocalDpi xmlns:a14="http://schemas.microsoft.com/office/drawing/2010/main" val="0"/>
-              </a:ext>
-            </a:extLst>
-          </a:blip>
-          <a:srcRect/>
-          <a:stretch>
-            <a:fillRect/>
-          </a:stretch>
-        </p:blipFill>
-        <p:spPr bwMode="auto">
-          <a:xfrm>
-            <a:off x="16211950" y="16713389"/>
-            <a:ext cx="2920013" cy="3199672"/>
-          </a:xfrm>
-          <a:prstGeom prst="rect">
-            <a:avLst/>
-          </a:prstGeom>
-          <a:noFill/>
-          <a:extLst>
-            <a:ext uri="{909E8E84-426E-40DD-AFC4-6F175D3DCCD1}">
-              <a14:hiddenFill xmlns:a14="http://schemas.microsoft.com/office/drawing/2010/main">
-                <a:solidFill>
-                  <a:srgbClr val="FFFFFF"/>
-                </a:solidFill>
-              </a14:hiddenFill>
-            </a:ext>
-          </a:extLst>
-        </p:spPr>
-      </p:pic>
       <p:sp>
         <p:nvSpPr>
           <p:cNvPr id="5" name="Rectangle: Rounded Corners 4">
@@ -4053,7 +4014,7 @@
         </p:nvSpPr>
         <p:spPr>
           <a:xfrm>
-            <a:off x="13004703" y="22138423"/>
+            <a:off x="13075816" y="22156147"/>
             <a:ext cx="18132256" cy="9355160"/>
           </a:xfrm>
           <a:prstGeom prst="roundRect">
@@ -4222,7 +4183,19 @@
               <a:rPr lang="en-US" sz="2800" b="1" dirty="0">
                 <a:latin typeface="Lucida Sans" panose="020B0602030504020204" pitchFamily="34" charset="0"/>
               </a:rPr>
-              <a:t>Image 1: Technologies Used- JavaScript, React Native, Socket.io, Python</a:t>
+              <a:t>Image 1: Technologies Used- JavaScript, React Native, </a:t>
+            </a:r>
+            <a:r>
+              <a:rPr lang="en-US" sz="2800" b="1" dirty="0" err="1">
+                <a:latin typeface="Lucida Sans" panose="020B0602030504020204" pitchFamily="34" charset="0"/>
+              </a:rPr>
+              <a:t>FastAPI</a:t>
+            </a:r>
+            <a:r>
+              <a:rPr lang="en-US" sz="2800" b="1" dirty="0">
+                <a:latin typeface="Lucida Sans" panose="020B0602030504020204" pitchFamily="34" charset="0"/>
+              </a:rPr>
+              <a:t>, Python</a:t>
             </a:r>
           </a:p>
         </p:txBody>
@@ -4233,6 +4206,51 @@
             <a:extLst>
               <a:ext uri="{FF2B5EF4-FFF2-40B4-BE49-F238E27FC236}">
                 <a16:creationId xmlns:a16="http://schemas.microsoft.com/office/drawing/2014/main" id="{01B0B701-0914-9854-4898-62778B6FAEE7}"/>
+              </a:ext>
+            </a:extLst>
+          </p:cNvPr>
+          <p:cNvPicPr>
+            <a:picLocks noChangeAspect="1" noChangeArrowheads="1"/>
+          </p:cNvPicPr>
+          <p:nvPr/>
+        </p:nvPicPr>
+        <p:blipFill rotWithShape="1">
+          <a:blip r:embed="rId9">
+            <a:extLst>
+              <a:ext uri="{28A0092B-C50C-407E-A947-70E740481C1C}">
+                <a14:useLocalDpi xmlns:a14="http://schemas.microsoft.com/office/drawing/2010/main" val="0"/>
+              </a:ext>
+            </a:extLst>
+          </a:blip>
+          <a:srcRect l="19179" t="27080" r="20423" b="14787"/>
+          <a:stretch/>
+        </p:blipFill>
+        <p:spPr bwMode="auto">
+          <a:xfrm>
+            <a:off x="28936980" y="637198"/>
+            <a:ext cx="2271092" cy="2914568"/>
+          </a:xfrm>
+          <a:prstGeom prst="rect">
+            <a:avLst/>
+          </a:prstGeom>
+          <a:noFill/>
+          <a:extLst>
+            <a:ext uri="{909E8E84-426E-40DD-AFC4-6F175D3DCCD1}">
+              <a14:hiddenFill xmlns:a14="http://schemas.microsoft.com/office/drawing/2010/main">
+                <a:solidFill>
+                  <a:srgbClr val="FFFFFF"/>
+                </a:solidFill>
+              </a14:hiddenFill>
+            </a:ext>
+          </a:extLst>
+        </p:spPr>
+      </p:pic>
+      <p:pic>
+        <p:nvPicPr>
+          <p:cNvPr id="1028" name="Picture 4" descr="Image preview">
+            <a:extLst>
+              <a:ext uri="{FF2B5EF4-FFF2-40B4-BE49-F238E27FC236}">
+                <a16:creationId xmlns:a16="http://schemas.microsoft.com/office/drawing/2014/main" id="{2FF6144D-59A4-9B50-D5B1-5DCD484A73A1}"/>
               </a:ext>
             </a:extLst>
           </p:cNvPr>
@@ -4249,13 +4267,13 @@
               </a:ext>
             </a:extLst>
           </a:blip>
-          <a:srcRect l="19179" t="27080" r="20423" b="14787"/>
+          <a:srcRect b="8362"/>
           <a:stretch/>
         </p:blipFill>
         <p:spPr bwMode="auto">
           <a:xfrm>
-            <a:off x="28936980" y="637198"/>
-            <a:ext cx="2271092" cy="2914568"/>
+            <a:off x="24699396" y="637199"/>
+            <a:ext cx="2271093" cy="2914567"/>
           </a:xfrm>
           <a:prstGeom prst="rect">
             <a:avLst/>
@@ -4272,12 +4290,50 @@
           </a:extLst>
         </p:spPr>
       </p:pic>
+      <p:sp>
+        <p:nvSpPr>
+          <p:cNvPr id="18" name="TextBox 17">
+            <a:extLst>
+              <a:ext uri="{FF2B5EF4-FFF2-40B4-BE49-F238E27FC236}">
+                <a16:creationId xmlns:a16="http://schemas.microsoft.com/office/drawing/2014/main" id="{F6C6766E-AECD-23F0-938D-5A9A7210A404}"/>
+              </a:ext>
+            </a:extLst>
+          </p:cNvPr>
+          <p:cNvSpPr txBox="1"/>
+          <p:nvPr/>
+        </p:nvSpPr>
+        <p:spPr>
+          <a:xfrm>
+            <a:off x="4168292" y="30970363"/>
+            <a:ext cx="6477397" cy="523220"/>
+          </a:xfrm>
+          <a:prstGeom prst="rect">
+            <a:avLst/>
+          </a:prstGeom>
+          <a:noFill/>
+        </p:spPr>
+        <p:txBody>
+          <a:bodyPr wrap="square" rtlCol="0">
+            <a:spAutoFit/>
+          </a:bodyPr>
+          <a:lstStyle/>
+          <a:p>
+            <a:pPr algn="ctr"/>
+            <a:r>
+              <a:rPr lang="en-US" sz="2800" b="1" dirty="0">
+                <a:latin typeface="Lucida Sans" panose="020B0602030504020204" pitchFamily="34" charset="0"/>
+              </a:rPr>
+              <a:t>Figure 2: A Sample Bipartite Graph</a:t>
+            </a:r>
+          </a:p>
+        </p:txBody>
+      </p:sp>
       <p:pic>
         <p:nvPicPr>
-          <p:cNvPr id="1028" name="Picture 4" descr="Image preview">
+          <p:cNvPr id="19" name="Picture 4">
             <a:extLst>
               <a:ext uri="{FF2B5EF4-FFF2-40B4-BE49-F238E27FC236}">
-                <a16:creationId xmlns:a16="http://schemas.microsoft.com/office/drawing/2014/main" id="{2FF6144D-59A4-9B50-D5B1-5DCD484A73A1}"/>
+                <a16:creationId xmlns:a16="http://schemas.microsoft.com/office/drawing/2014/main" id="{238A0F02-7384-EFBB-B1D9-363D9948ACD7}"/>
               </a:ext>
             </a:extLst>
           </p:cNvPr>
@@ -4286,7 +4342,7 @@
           </p:cNvPicPr>
           <p:nvPr/>
         </p:nvPicPr>
-        <p:blipFill rotWithShape="1">
+        <p:blipFill>
           <a:blip r:embed="rId11">
             <a:extLst>
               <a:ext uri="{28A0092B-C50C-407E-A947-70E740481C1C}">
@@ -4294,13 +4350,15 @@
               </a:ext>
             </a:extLst>
           </a:blip>
-          <a:srcRect b="8362"/>
-          <a:stretch/>
+          <a:srcRect/>
+          <a:stretch>
+            <a:fillRect/>
+          </a:stretch>
         </p:blipFill>
         <p:spPr bwMode="auto">
           <a:xfrm>
-            <a:off x="24699396" y="637199"/>
-            <a:ext cx="2271093" cy="2914567"/>
+            <a:off x="19718684" y="33724617"/>
+            <a:ext cx="3269212" cy="7074909"/>
           </a:xfrm>
           <a:prstGeom prst="rect">
             <a:avLst/>
@@ -4317,50 +4375,12 @@
           </a:extLst>
         </p:spPr>
       </p:pic>
-      <p:sp>
-        <p:nvSpPr>
-          <p:cNvPr id="18" name="TextBox 17">
+      <p:pic>
+        <p:nvPicPr>
+          <p:cNvPr id="20" name="Picture 6">
             <a:extLst>
               <a:ext uri="{FF2B5EF4-FFF2-40B4-BE49-F238E27FC236}">
-                <a16:creationId xmlns:a16="http://schemas.microsoft.com/office/drawing/2014/main" id="{F6C6766E-AECD-23F0-938D-5A9A7210A404}"/>
-              </a:ext>
-            </a:extLst>
-          </p:cNvPr>
-          <p:cNvSpPr txBox="1"/>
-          <p:nvPr/>
-        </p:nvSpPr>
-        <p:spPr>
-          <a:xfrm>
-            <a:off x="4168292" y="30970363"/>
-            <a:ext cx="6477397" cy="523220"/>
-          </a:xfrm>
-          <a:prstGeom prst="rect">
-            <a:avLst/>
-          </a:prstGeom>
-          <a:noFill/>
-        </p:spPr>
-        <p:txBody>
-          <a:bodyPr wrap="square" rtlCol="0">
-            <a:spAutoFit/>
-          </a:bodyPr>
-          <a:lstStyle/>
-          <a:p>
-            <a:pPr algn="ctr"/>
-            <a:r>
-              <a:rPr lang="en-US" sz="2800" b="1" dirty="0">
-                <a:latin typeface="Lucida Sans" panose="020B0602030504020204" pitchFamily="34" charset="0"/>
-              </a:rPr>
-              <a:t>Figure 2: A Sample Bipartite Graph</a:t>
-            </a:r>
-          </a:p>
-        </p:txBody>
-      </p:sp>
-      <p:pic>
-        <p:nvPicPr>
-          <p:cNvPr id="19" name="Picture 4">
-            <a:extLst>
-              <a:ext uri="{FF2B5EF4-FFF2-40B4-BE49-F238E27FC236}">
-                <a16:creationId xmlns:a16="http://schemas.microsoft.com/office/drawing/2014/main" id="{238A0F02-7384-EFBB-B1D9-363D9948ACD7}"/>
+                <a16:creationId xmlns:a16="http://schemas.microsoft.com/office/drawing/2014/main" id="{4194DBA0-4798-F9A0-B5CE-5AF86325184E}"/>
               </a:ext>
             </a:extLst>
           </p:cNvPr>
@@ -4384,7 +4404,7 @@
         </p:blipFill>
         <p:spPr bwMode="auto">
           <a:xfrm>
-            <a:off x="19718684" y="33724617"/>
+            <a:off x="23828772" y="33724617"/>
             <a:ext cx="3269212" cy="7074909"/>
           </a:xfrm>
           <a:prstGeom prst="rect">
@@ -4404,10 +4424,10 @@
       </p:pic>
       <p:pic>
         <p:nvPicPr>
-          <p:cNvPr id="20" name="Picture 6">
+          <p:cNvPr id="1032" name="Picture 8">
             <a:extLst>
               <a:ext uri="{FF2B5EF4-FFF2-40B4-BE49-F238E27FC236}">
-                <a16:creationId xmlns:a16="http://schemas.microsoft.com/office/drawing/2014/main" id="{4194DBA0-4798-F9A0-B5CE-5AF86325184E}"/>
+                <a16:creationId xmlns:a16="http://schemas.microsoft.com/office/drawing/2014/main" id="{303563B3-1E3F-1EEB-1982-85428FAFF714}"/>
               </a:ext>
             </a:extLst>
           </p:cNvPr>
@@ -4431,7 +4451,7 @@
         </p:blipFill>
         <p:spPr bwMode="auto">
           <a:xfrm>
-            <a:off x="23828772" y="33724617"/>
+            <a:off x="27938860" y="33724616"/>
             <a:ext cx="3269212" cy="7074909"/>
           </a:xfrm>
           <a:prstGeom prst="rect">
@@ -4449,12 +4469,666 @@
           </a:extLst>
         </p:spPr>
       </p:pic>
+      <p:sp>
+        <p:nvSpPr>
+          <p:cNvPr id="21" name="TextBox 20">
+            <a:extLst>
+              <a:ext uri="{FF2B5EF4-FFF2-40B4-BE49-F238E27FC236}">
+                <a16:creationId xmlns:a16="http://schemas.microsoft.com/office/drawing/2014/main" id="{DA5625C0-3BDB-C15B-AA02-B2C14F59C5C7}"/>
+              </a:ext>
+            </a:extLst>
+          </p:cNvPr>
+          <p:cNvSpPr txBox="1"/>
+          <p:nvPr/>
+        </p:nvSpPr>
+        <p:spPr>
+          <a:xfrm>
+            <a:off x="22224679" y="41437393"/>
+            <a:ext cx="6477397" cy="954107"/>
+          </a:xfrm>
+          <a:prstGeom prst="rect">
+            <a:avLst/>
+          </a:prstGeom>
+          <a:noFill/>
+        </p:spPr>
+        <p:txBody>
+          <a:bodyPr wrap="square" rtlCol="0">
+            <a:spAutoFit/>
+          </a:bodyPr>
+          <a:lstStyle/>
+          <a:p>
+            <a:pPr algn="ctr"/>
+            <a:r>
+              <a:rPr lang="en-US" sz="2800" b="1" dirty="0">
+                <a:latin typeface="Lucida Sans" panose="020B0602030504020204" pitchFamily="34" charset="0"/>
+              </a:rPr>
+              <a:t>Image 2: Sample Screenshots from Mobile Application</a:t>
+            </a:r>
+          </a:p>
+        </p:txBody>
+      </p:sp>
+      <p:sp>
+        <p:nvSpPr>
+          <p:cNvPr id="9" name="TextBox 8">
+            <a:extLst>
+              <a:ext uri="{FF2B5EF4-FFF2-40B4-BE49-F238E27FC236}">
+                <a16:creationId xmlns:a16="http://schemas.microsoft.com/office/drawing/2014/main" id="{CACC3346-18D1-E91B-5B34-23482F79ECDB}"/>
+              </a:ext>
+            </a:extLst>
+          </p:cNvPr>
+          <p:cNvSpPr txBox="1"/>
+          <p:nvPr/>
+        </p:nvSpPr>
+        <p:spPr>
+          <a:xfrm>
+            <a:off x="3516315" y="12245009"/>
+            <a:ext cx="9382539" cy="1015663"/>
+          </a:xfrm>
+          <a:prstGeom prst="rect">
+            <a:avLst/>
+          </a:prstGeom>
+          <a:noFill/>
+        </p:spPr>
+        <p:txBody>
+          <a:bodyPr wrap="square" rtlCol="0">
+            <a:spAutoFit/>
+          </a:bodyPr>
+          <a:lstStyle/>
+          <a:p>
+            <a:pPr algn="ctr"/>
+            <a:r>
+              <a:rPr lang="en-US" sz="6000" b="1" dirty="0">
+                <a:latin typeface="Lucida Sans" panose="020B0602030504020204" pitchFamily="34" charset="0"/>
+              </a:rPr>
+              <a:t>Problem Overview</a:t>
+            </a:r>
+          </a:p>
+        </p:txBody>
+      </p:sp>
+      <p:sp>
+        <p:nvSpPr>
+          <p:cNvPr id="13" name="TextBox 12">
+            <a:extLst>
+              <a:ext uri="{FF2B5EF4-FFF2-40B4-BE49-F238E27FC236}">
+                <a16:creationId xmlns:a16="http://schemas.microsoft.com/office/drawing/2014/main" id="{FC265C36-CD1C-4468-2C1E-58D7A3A1709F}"/>
+              </a:ext>
+            </a:extLst>
+          </p:cNvPr>
+          <p:cNvSpPr txBox="1"/>
+          <p:nvPr/>
+        </p:nvSpPr>
+        <p:spPr>
+          <a:xfrm>
+            <a:off x="14778841" y="22869564"/>
+            <a:ext cx="14726206" cy="1015663"/>
+          </a:xfrm>
+          <a:prstGeom prst="rect">
+            <a:avLst/>
+          </a:prstGeom>
+          <a:noFill/>
+        </p:spPr>
+        <p:txBody>
+          <a:bodyPr wrap="square" rtlCol="0">
+            <a:spAutoFit/>
+          </a:bodyPr>
+          <a:lstStyle/>
+          <a:p>
+            <a:pPr algn="ctr"/>
+            <a:r>
+              <a:rPr lang="en-US" sz="6000" b="1" dirty="0">
+                <a:latin typeface="Lucida Sans" panose="020B0602030504020204" pitchFamily="34" charset="0"/>
+              </a:rPr>
+              <a:t>Solution: Pizza Generation Algorithm</a:t>
+            </a:r>
+          </a:p>
+        </p:txBody>
+      </p:sp>
+      <p:sp>
+        <p:nvSpPr>
+          <p:cNvPr id="22" name="TextBox 21">
+            <a:extLst>
+              <a:ext uri="{FF2B5EF4-FFF2-40B4-BE49-F238E27FC236}">
+                <a16:creationId xmlns:a16="http://schemas.microsoft.com/office/drawing/2014/main" id="{2628FDBB-682C-BAC3-8A4E-A73449F0C9CD}"/>
+              </a:ext>
+            </a:extLst>
+          </p:cNvPr>
+          <p:cNvSpPr txBox="1"/>
+          <p:nvPr/>
+        </p:nvSpPr>
+        <p:spPr>
+          <a:xfrm>
+            <a:off x="5680843" y="33600867"/>
+            <a:ext cx="9382539" cy="1015663"/>
+          </a:xfrm>
+          <a:prstGeom prst="rect">
+            <a:avLst/>
+          </a:prstGeom>
+          <a:noFill/>
+        </p:spPr>
+        <p:txBody>
+          <a:bodyPr wrap="square" rtlCol="0">
+            <a:spAutoFit/>
+          </a:bodyPr>
+          <a:lstStyle/>
+          <a:p>
+            <a:pPr algn="ctr"/>
+            <a:r>
+              <a:rPr lang="en-US" sz="6000" b="1" dirty="0">
+                <a:latin typeface="Lucida Sans" panose="020B0602030504020204" pitchFamily="34" charset="0"/>
+              </a:rPr>
+              <a:t>Results: Mobile App</a:t>
+            </a:r>
+          </a:p>
+        </p:txBody>
+      </p:sp>
+      <p:sp>
+        <p:nvSpPr>
+          <p:cNvPr id="23" name="TextBox 22">
+            <a:extLst>
+              <a:ext uri="{FF2B5EF4-FFF2-40B4-BE49-F238E27FC236}">
+                <a16:creationId xmlns:a16="http://schemas.microsoft.com/office/drawing/2014/main" id="{90A4C549-EB45-3201-E30C-064C69A671DB}"/>
+              </a:ext>
+            </a:extLst>
+          </p:cNvPr>
+          <p:cNvSpPr txBox="1"/>
+          <p:nvPr/>
+        </p:nvSpPr>
+        <p:spPr>
+          <a:xfrm>
+            <a:off x="2570820" y="13260672"/>
+            <a:ext cx="6137057" cy="7971413"/>
+          </a:xfrm>
+          <a:prstGeom prst="rect">
+            <a:avLst/>
+          </a:prstGeom>
+          <a:noFill/>
+        </p:spPr>
+        <p:txBody>
+          <a:bodyPr wrap="square" rtlCol="0">
+            <a:spAutoFit/>
+          </a:bodyPr>
+          <a:lstStyle/>
+          <a:p>
+            <a:r>
+              <a:rPr lang="en-US" sz="3200" dirty="0">
+                <a:latin typeface="Lucida Sans" panose="020B0602030504020204" pitchFamily="34" charset="0"/>
+              </a:rPr>
+              <a:t>When someone orders pizza for a large group, they usually just order cheese and pepperoni, hoping nobody will complain. We seek to go beyond this, and create an application that allows a group of people to order pizza that satisfies everyone's preferences. The underlying problem is that, given a set of user preferences, how can we match all of our users to pizzas that will satisfy everyone's unique preferences?</a:t>
+            </a:r>
+          </a:p>
+        </p:txBody>
+      </p:sp>
+      <p:sp>
+        <p:nvSpPr>
+          <p:cNvPr id="25" name="TextBox 24">
+            <a:extLst>
+              <a:ext uri="{FF2B5EF4-FFF2-40B4-BE49-F238E27FC236}">
+                <a16:creationId xmlns:a16="http://schemas.microsoft.com/office/drawing/2014/main" id="{1FC64652-4B32-82FA-8D65-43AAF3069F10}"/>
+              </a:ext>
+            </a:extLst>
+          </p:cNvPr>
+          <p:cNvSpPr txBox="1"/>
+          <p:nvPr/>
+        </p:nvSpPr>
+        <p:spPr>
+          <a:xfrm>
+            <a:off x="8961571" y="13289829"/>
+            <a:ext cx="6287309" cy="7971413"/>
+          </a:xfrm>
+          <a:prstGeom prst="rect">
+            <a:avLst/>
+          </a:prstGeom>
+          <a:noFill/>
+        </p:spPr>
+        <p:txBody>
+          <a:bodyPr wrap="square" rtlCol="0">
+            <a:spAutoFit/>
+          </a:bodyPr>
+          <a:lstStyle/>
+          <a:p>
+            <a:r>
+              <a:rPr lang="en-US" sz="3200" dirty="0">
+                <a:latin typeface="Lucida Sans" panose="020B0602030504020204" pitchFamily="34" charset="0"/>
+              </a:rPr>
+              <a:t>The result of our calculations is successful if it satisfies the following criteria: </a:t>
+            </a:r>
+          </a:p>
+          <a:p>
+            <a:pPr marL="457200" indent="-457200">
+              <a:buFont typeface="Arial" panose="020B0604020202020204" pitchFamily="34" charset="0"/>
+              <a:buChar char="•"/>
+            </a:pPr>
+            <a:r>
+              <a:rPr lang="en-US" sz="3200" dirty="0">
+                <a:latin typeface="Lucida Sans" panose="020B0602030504020204" pitchFamily="34" charset="0"/>
+              </a:rPr>
+              <a:t>All users are satisfied, meaning they get a pizza that has only toppings that they like, and no toppings that they dislike.</a:t>
+            </a:r>
+          </a:p>
+          <a:p>
+            <a:pPr marL="457200" indent="-457200">
+              <a:buFont typeface="Arial" panose="020B0604020202020204" pitchFamily="34" charset="0"/>
+              <a:buChar char="•"/>
+            </a:pPr>
+            <a:r>
+              <a:rPr lang="en-US" sz="3200" dirty="0">
+                <a:latin typeface="Lucida Sans" panose="020B0602030504020204" pitchFamily="34" charset="0"/>
+              </a:rPr>
+              <a:t>The quantity of each selected pizza is proportional to the number of users that would be satisfied by that pizza.</a:t>
+            </a:r>
+          </a:p>
+          <a:p>
+            <a:pPr marL="457200" indent="-457200">
+              <a:buFont typeface="Arial" panose="020B0604020202020204" pitchFamily="34" charset="0"/>
+              <a:buChar char="•"/>
+            </a:pPr>
+            <a:r>
+              <a:rPr lang="en-US" sz="3200" dirty="0">
+                <a:latin typeface="Lucida Sans" panose="020B0602030504020204" pitchFamily="34" charset="0"/>
+              </a:rPr>
+              <a:t>The total quantity of pizzas is proportional to the total number of users.</a:t>
+            </a:r>
+          </a:p>
+        </p:txBody>
+      </p:sp>
+      <p:sp>
+        <p:nvSpPr>
+          <p:cNvPr id="27" name="TextBox 26">
+            <a:extLst>
+              <a:ext uri="{FF2B5EF4-FFF2-40B4-BE49-F238E27FC236}">
+                <a16:creationId xmlns:a16="http://schemas.microsoft.com/office/drawing/2014/main" id="{78D6EF40-7416-DC57-8098-5FF1477332E2}"/>
+              </a:ext>
+            </a:extLst>
+          </p:cNvPr>
+          <p:cNvSpPr txBox="1"/>
+          <p:nvPr/>
+        </p:nvSpPr>
+        <p:spPr>
+          <a:xfrm>
+            <a:off x="14053780" y="23885227"/>
+            <a:ext cx="8088164" cy="6001643"/>
+          </a:xfrm>
+          <a:prstGeom prst="rect">
+            <a:avLst/>
+          </a:prstGeom>
+          <a:noFill/>
+        </p:spPr>
+        <p:txBody>
+          <a:bodyPr wrap="square" rtlCol="0">
+            <a:spAutoFit/>
+          </a:bodyPr>
+          <a:lstStyle/>
+          <a:p>
+            <a:r>
+              <a:rPr lang="en-US" sz="3200" dirty="0">
+                <a:latin typeface="Lucida Sans" panose="020B0602030504020204" pitchFamily="34" charset="0"/>
+              </a:rPr>
+              <a:t>We modeled user preferences as a bipartite graph (see Figure 2). One set of nodes in the graph represents users, and the other represents "candidate" pizzas (i.e., pizzas with different combinations of toppings that people like), and an edge between a user and a node indicates that the user would be satisfied by that pizza. The algorithm applies a variation on a minimum vertex cover in order to find a set of pizzas that satisfies all users. </a:t>
+            </a:r>
+          </a:p>
+        </p:txBody>
+      </p:sp>
+      <p:sp>
+        <p:nvSpPr>
+          <p:cNvPr id="28" name="TextBox 27">
+            <a:extLst>
+              <a:ext uri="{FF2B5EF4-FFF2-40B4-BE49-F238E27FC236}">
+                <a16:creationId xmlns:a16="http://schemas.microsoft.com/office/drawing/2014/main" id="{9018BCFF-31C9-EF32-74FF-01019C03EF9E}"/>
+              </a:ext>
+            </a:extLst>
+          </p:cNvPr>
+          <p:cNvSpPr txBox="1"/>
+          <p:nvPr/>
+        </p:nvSpPr>
+        <p:spPr>
+          <a:xfrm>
+            <a:off x="22295792" y="23885227"/>
+            <a:ext cx="8472818" cy="7478970"/>
+          </a:xfrm>
+          <a:prstGeom prst="rect">
+            <a:avLst/>
+          </a:prstGeom>
+          <a:noFill/>
+        </p:spPr>
+        <p:txBody>
+          <a:bodyPr wrap="square" rtlCol="0">
+            <a:spAutoFit/>
+          </a:bodyPr>
+          <a:lstStyle/>
+          <a:p>
+            <a:r>
+              <a:rPr lang="en-US" sz="3200" b="1" dirty="0">
+                <a:latin typeface="Lucida Sans" panose="020B0602030504020204" pitchFamily="34" charset="0"/>
+              </a:rPr>
+              <a:t>General Greedy Algorithm Strategy:</a:t>
+            </a:r>
+          </a:p>
+          <a:p>
+            <a:pPr marL="457200" indent="-457200">
+              <a:buFont typeface="Arial" panose="020B0604020202020204" pitchFamily="34" charset="0"/>
+              <a:buChar char="•"/>
+            </a:pPr>
+            <a:r>
+              <a:rPr lang="en-US" sz="3200" dirty="0">
+                <a:latin typeface="Lucida Sans" panose="020B0602030504020204" pitchFamily="34" charset="0"/>
+              </a:rPr>
+              <a:t>Select the pizza with the most outgoing edges (the most liked)</a:t>
+            </a:r>
+          </a:p>
+          <a:p>
+            <a:pPr marL="457200" indent="-457200">
+              <a:buFont typeface="Arial" panose="020B0604020202020204" pitchFamily="34" charset="0"/>
+              <a:buChar char="•"/>
+            </a:pPr>
+            <a:r>
+              <a:rPr lang="en-US" sz="3200" dirty="0">
+                <a:latin typeface="Lucida Sans" panose="020B0602030504020204" pitchFamily="34" charset="0"/>
+              </a:rPr>
+              <a:t>Mark all users that like the selection as “satisfied”</a:t>
+            </a:r>
+          </a:p>
+          <a:p>
+            <a:pPr marL="457200" indent="-457200">
+              <a:buFont typeface="Arial" panose="020B0604020202020204" pitchFamily="34" charset="0"/>
+              <a:buChar char="•"/>
+            </a:pPr>
+            <a:r>
+              <a:rPr lang="en-US" sz="3200" dirty="0">
+                <a:latin typeface="Lucida Sans" panose="020B0602030504020204" pitchFamily="34" charset="0"/>
+              </a:rPr>
+              <a:t>Continue selecting the pizza liked by the greatest number of unsatisfied users until everyone is satisfied</a:t>
+            </a:r>
+          </a:p>
+          <a:p>
+            <a:pPr marL="457200" indent="-457200">
+              <a:buFont typeface="Arial" panose="020B0604020202020204" pitchFamily="34" charset="0"/>
+              <a:buChar char="•"/>
+            </a:pPr>
+            <a:r>
+              <a:rPr lang="en-US" sz="3200" dirty="0">
+                <a:latin typeface="Lucida Sans" panose="020B0602030504020204" pitchFamily="34" charset="0"/>
+              </a:rPr>
+              <a:t>Pizza quantities scaled by users satisfied</a:t>
+            </a:r>
+          </a:p>
+          <a:p>
+            <a:r>
+              <a:rPr lang="en-US" sz="3200" b="1" dirty="0">
+                <a:latin typeface="Lucida Sans" panose="020B0602030504020204" pitchFamily="34" charset="0"/>
+              </a:rPr>
+              <a:t>Constraints on Algorithm:</a:t>
+            </a:r>
+          </a:p>
+          <a:p>
+            <a:pPr marL="457200" indent="-457200">
+              <a:buFont typeface="Arial" panose="020B0604020202020204" pitchFamily="34" charset="0"/>
+              <a:buChar char="•"/>
+            </a:pPr>
+            <a:r>
+              <a:rPr lang="en-US" sz="3200" dirty="0">
+                <a:latin typeface="Lucida Sans" panose="020B0602030504020204" pitchFamily="34" charset="0"/>
+              </a:rPr>
+              <a:t>“Greediness” is altered such that the algorithm prefers pizzas with more toppings (to a point)</a:t>
+            </a:r>
+          </a:p>
+          <a:p>
+            <a:pPr marL="457200" indent="-457200">
+              <a:buFont typeface="Arial" panose="020B0604020202020204" pitchFamily="34" charset="0"/>
+              <a:buChar char="•"/>
+            </a:pPr>
+            <a:r>
+              <a:rPr lang="en-US" sz="3200" dirty="0">
+                <a:latin typeface="Lucida Sans" panose="020B0602030504020204" pitchFamily="34" charset="0"/>
+              </a:rPr>
+              <a:t>Can set maximum toppings per pizza</a:t>
+            </a:r>
+          </a:p>
+        </p:txBody>
+      </p:sp>
+      <p:sp>
+        <p:nvSpPr>
+          <p:cNvPr id="29" name="TextBox 28">
+            <a:extLst>
+              <a:ext uri="{FF2B5EF4-FFF2-40B4-BE49-F238E27FC236}">
+                <a16:creationId xmlns:a16="http://schemas.microsoft.com/office/drawing/2014/main" id="{72292A93-F462-01C3-CF70-0698C078BE3C}"/>
+              </a:ext>
+            </a:extLst>
+          </p:cNvPr>
+          <p:cNvSpPr txBox="1"/>
+          <p:nvPr/>
+        </p:nvSpPr>
+        <p:spPr>
+          <a:xfrm>
+            <a:off x="10953499" y="35897415"/>
+            <a:ext cx="8088164" cy="4031873"/>
+          </a:xfrm>
+          <a:prstGeom prst="rect">
+            <a:avLst/>
+          </a:prstGeom>
+          <a:noFill/>
+        </p:spPr>
+        <p:txBody>
+          <a:bodyPr wrap="square" rtlCol="0">
+            <a:spAutoFit/>
+          </a:bodyPr>
+          <a:lstStyle/>
+          <a:p>
+            <a:r>
+              <a:rPr lang="en-US" sz="3200" b="1" dirty="0">
+                <a:latin typeface="Lucida Sans" panose="020B0602030504020204" pitchFamily="34" charset="0"/>
+              </a:rPr>
+              <a:t>App Flow for General Users:</a:t>
+            </a:r>
+          </a:p>
+          <a:p>
+            <a:pPr marL="457200" indent="-457200">
+              <a:buFont typeface="Arial" panose="020B0604020202020204" pitchFamily="34" charset="0"/>
+              <a:buChar char="•"/>
+            </a:pPr>
+            <a:r>
+              <a:rPr lang="en-US" sz="3200" dirty="0">
+                <a:latin typeface="Lucida Sans" panose="020B0602030504020204" pitchFamily="34" charset="0"/>
+              </a:rPr>
+              <a:t>Obtain “order code” shared by Order Admin</a:t>
+            </a:r>
+          </a:p>
+          <a:p>
+            <a:pPr marL="457200" indent="-457200">
+              <a:buFont typeface="Arial" panose="020B0604020202020204" pitchFamily="34" charset="0"/>
+              <a:buChar char="•"/>
+            </a:pPr>
+            <a:r>
+              <a:rPr lang="en-US" sz="3200" dirty="0">
+                <a:latin typeface="Lucida Sans" panose="020B0602030504020204" pitchFamily="34" charset="0"/>
+              </a:rPr>
+              <a:t>Enter name and select desired toppings</a:t>
+            </a:r>
+          </a:p>
+          <a:p>
+            <a:pPr marL="457200" indent="-457200">
+              <a:buFont typeface="Arial" panose="020B0604020202020204" pitchFamily="34" charset="0"/>
+              <a:buChar char="•"/>
+            </a:pPr>
+            <a:r>
+              <a:rPr lang="en-US" sz="3200" dirty="0">
+                <a:latin typeface="Lucida Sans" panose="020B0602030504020204" pitchFamily="34" charset="0"/>
+              </a:rPr>
+              <a:t>Submit your preferences to be used in the order</a:t>
+            </a:r>
+          </a:p>
+          <a:p>
+            <a:pPr marL="457200" indent="-457200">
+              <a:buFont typeface="Arial" panose="020B0604020202020204" pitchFamily="34" charset="0"/>
+              <a:buChar char="•"/>
+            </a:pPr>
+            <a:endParaRPr lang="en-US" sz="3200" dirty="0">
+              <a:latin typeface="Lucida Sans" panose="020B0602030504020204" pitchFamily="34" charset="0"/>
+            </a:endParaRPr>
+          </a:p>
+        </p:txBody>
+      </p:sp>
+      <p:sp>
+        <p:nvSpPr>
+          <p:cNvPr id="30" name="TextBox 29">
+            <a:extLst>
+              <a:ext uri="{FF2B5EF4-FFF2-40B4-BE49-F238E27FC236}">
+                <a16:creationId xmlns:a16="http://schemas.microsoft.com/office/drawing/2014/main" id="{E29FE075-6D4D-2B5D-9738-4595E65DBF10}"/>
+              </a:ext>
+            </a:extLst>
+          </p:cNvPr>
+          <p:cNvSpPr txBox="1"/>
+          <p:nvPr/>
+        </p:nvSpPr>
+        <p:spPr>
+          <a:xfrm>
+            <a:off x="2904933" y="35897415"/>
+            <a:ext cx="8088164" cy="6494085"/>
+          </a:xfrm>
+          <a:prstGeom prst="rect">
+            <a:avLst/>
+          </a:prstGeom>
+          <a:noFill/>
+        </p:spPr>
+        <p:txBody>
+          <a:bodyPr wrap="square" rtlCol="0">
+            <a:spAutoFit/>
+          </a:bodyPr>
+          <a:lstStyle/>
+          <a:p>
+            <a:r>
+              <a:rPr lang="en-US" sz="3200" b="1" dirty="0">
+                <a:latin typeface="Lucida Sans" panose="020B0602030504020204" pitchFamily="34" charset="0"/>
+              </a:rPr>
+              <a:t>App Flow for Order Admin:</a:t>
+            </a:r>
+          </a:p>
+          <a:p>
+            <a:pPr marL="457200" indent="-457200">
+              <a:buFont typeface="Arial" panose="020B0604020202020204" pitchFamily="34" charset="0"/>
+              <a:buChar char="•"/>
+            </a:pPr>
+            <a:r>
+              <a:rPr lang="en-US" sz="3200" dirty="0">
+                <a:latin typeface="Lucida Sans" panose="020B0602030504020204" pitchFamily="34" charset="0"/>
+              </a:rPr>
+              <a:t>Create an order using button on home page</a:t>
+            </a:r>
+          </a:p>
+          <a:p>
+            <a:pPr marL="457200" indent="-457200">
+              <a:buFont typeface="Arial" panose="020B0604020202020204" pitchFamily="34" charset="0"/>
+              <a:buChar char="•"/>
+            </a:pPr>
+            <a:r>
+              <a:rPr lang="en-US" sz="3200" dirty="0">
+                <a:latin typeface="Lucida Sans" panose="020B0602030504020204" pitchFamily="34" charset="0"/>
+              </a:rPr>
+              <a:t>Adjust optional parameters (e.g., maximum toppings per pizza)</a:t>
+            </a:r>
+          </a:p>
+          <a:p>
+            <a:pPr marL="457200" indent="-457200">
+              <a:buFont typeface="Arial" panose="020B0604020202020204" pitchFamily="34" charset="0"/>
+              <a:buChar char="•"/>
+            </a:pPr>
+            <a:r>
+              <a:rPr lang="en-US" sz="3200" dirty="0">
+                <a:latin typeface="Lucida Sans" panose="020B0602030504020204" pitchFamily="34" charset="0"/>
+              </a:rPr>
+              <a:t>Obtain “order code” and share it with others</a:t>
+            </a:r>
+          </a:p>
+          <a:p>
+            <a:pPr marL="457200" indent="-457200">
+              <a:buFont typeface="Arial" panose="020B0604020202020204" pitchFamily="34" charset="0"/>
+              <a:buChar char="•"/>
+            </a:pPr>
+            <a:r>
+              <a:rPr lang="en-US" sz="3200" dirty="0">
+                <a:latin typeface="Lucida Sans" panose="020B0602030504020204" pitchFamily="34" charset="0"/>
+              </a:rPr>
+              <a:t>Observe as users submit preferences</a:t>
+            </a:r>
+          </a:p>
+          <a:p>
+            <a:pPr marL="457200" indent="-457200">
+              <a:buFont typeface="Arial" panose="020B0604020202020204" pitchFamily="34" charset="0"/>
+              <a:buChar char="•"/>
+            </a:pPr>
+            <a:r>
+              <a:rPr lang="en-US" sz="3200" dirty="0">
+                <a:latin typeface="Lucida Sans" panose="020B0602030504020204" pitchFamily="34" charset="0"/>
+              </a:rPr>
+              <a:t>Once everyone has submitted, generate order</a:t>
+            </a:r>
+          </a:p>
+          <a:p>
+            <a:pPr marL="457200" indent="-457200">
+              <a:buFont typeface="Arial" panose="020B0604020202020204" pitchFamily="34" charset="0"/>
+              <a:buChar char="•"/>
+            </a:pPr>
+            <a:r>
+              <a:rPr lang="en-US" sz="3200" dirty="0">
+                <a:latin typeface="Lucida Sans" panose="020B0602030504020204" pitchFamily="34" charset="0"/>
+              </a:rPr>
+              <a:t>The result will be our algorithm’s suggestions for what pizzas to order</a:t>
+            </a:r>
+          </a:p>
+          <a:p>
+            <a:pPr marL="457200" indent="-457200">
+              <a:buFont typeface="Arial" panose="020B0604020202020204" pitchFamily="34" charset="0"/>
+              <a:buChar char="•"/>
+            </a:pPr>
+            <a:endParaRPr lang="en-US" sz="3200" dirty="0">
+              <a:latin typeface="Lucida Sans" panose="020B0602030504020204" pitchFamily="34" charset="0"/>
+            </a:endParaRPr>
+          </a:p>
+        </p:txBody>
+      </p:sp>
+      <p:sp>
+        <p:nvSpPr>
+          <p:cNvPr id="31" name="TextBox 30">
+            <a:extLst>
+              <a:ext uri="{FF2B5EF4-FFF2-40B4-BE49-F238E27FC236}">
+                <a16:creationId xmlns:a16="http://schemas.microsoft.com/office/drawing/2014/main" id="{AD1835D1-ACA0-7A73-2853-7CF2EB25EBA4}"/>
+              </a:ext>
+            </a:extLst>
+          </p:cNvPr>
+          <p:cNvSpPr txBox="1"/>
+          <p:nvPr/>
+        </p:nvSpPr>
+        <p:spPr>
+          <a:xfrm>
+            <a:off x="3308322" y="34756614"/>
+            <a:ext cx="15369550" cy="1077218"/>
+          </a:xfrm>
+          <a:prstGeom prst="rect">
+            <a:avLst/>
+          </a:prstGeom>
+          <a:noFill/>
+        </p:spPr>
+        <p:txBody>
+          <a:bodyPr wrap="square" rtlCol="0">
+            <a:spAutoFit/>
+          </a:bodyPr>
+          <a:lstStyle/>
+          <a:p>
+            <a:pPr algn="ctr"/>
+            <a:r>
+              <a:rPr lang="en-US" sz="3200" dirty="0">
+                <a:latin typeface="Lucida Sans" panose="020B0602030504020204" pitchFamily="34" charset="0"/>
+              </a:rPr>
+              <a:t>There are two classes of app users: Order Administrators (the person organizing the pizza order), and General Users (everyone included in order)</a:t>
+            </a:r>
+          </a:p>
+        </p:txBody>
+      </p:sp>
       <p:pic>
         <p:nvPicPr>
-          <p:cNvPr id="1032" name="Picture 8">
+          <p:cNvPr id="24" name="Picture 2" descr="api.mogenius.com/file/id/f7382e8b-be9a-4b6e-be7...">
             <a:extLst>
               <a:ext uri="{FF2B5EF4-FFF2-40B4-BE49-F238E27FC236}">
-                <a16:creationId xmlns:a16="http://schemas.microsoft.com/office/drawing/2014/main" id="{303563B3-1E3F-1EEB-1982-85428FAFF714}"/>
+                <a16:creationId xmlns:a16="http://schemas.microsoft.com/office/drawing/2014/main" id="{211086CE-5994-D701-5E79-E05200DD9150}"/>
               </a:ext>
             </a:extLst>
           </p:cNvPr>
@@ -4478,8 +5152,8 @@
         </p:blipFill>
         <p:spPr bwMode="auto">
           <a:xfrm>
-            <a:off x="27938860" y="33724616"/>
-            <a:ext cx="3269212" cy="7074909"/>
+            <a:off x="19750764" y="13212581"/>
+            <a:ext cx="3008376" cy="3008376"/>
           </a:xfrm>
           <a:prstGeom prst="rect">
             <a:avLst/>
@@ -4496,660 +5170,6 @@
           </a:extLst>
         </p:spPr>
       </p:pic>
-      <p:sp>
-        <p:nvSpPr>
-          <p:cNvPr id="21" name="TextBox 20">
-            <a:extLst>
-              <a:ext uri="{FF2B5EF4-FFF2-40B4-BE49-F238E27FC236}">
-                <a16:creationId xmlns:a16="http://schemas.microsoft.com/office/drawing/2014/main" id="{DA5625C0-3BDB-C15B-AA02-B2C14F59C5C7}"/>
-              </a:ext>
-            </a:extLst>
-          </p:cNvPr>
-          <p:cNvSpPr txBox="1"/>
-          <p:nvPr/>
-        </p:nvSpPr>
-        <p:spPr>
-          <a:xfrm>
-            <a:off x="22224679" y="41437393"/>
-            <a:ext cx="6477397" cy="954107"/>
-          </a:xfrm>
-          <a:prstGeom prst="rect">
-            <a:avLst/>
-          </a:prstGeom>
-          <a:noFill/>
-        </p:spPr>
-        <p:txBody>
-          <a:bodyPr wrap="square" rtlCol="0">
-            <a:spAutoFit/>
-          </a:bodyPr>
-          <a:lstStyle/>
-          <a:p>
-            <a:pPr algn="ctr"/>
-            <a:r>
-              <a:rPr lang="en-US" sz="2800" b="1" dirty="0">
-                <a:latin typeface="Lucida Sans" panose="020B0602030504020204" pitchFamily="34" charset="0"/>
-              </a:rPr>
-              <a:t>Image 2: Sample Screenshots from Mobile Application</a:t>
-            </a:r>
-          </a:p>
-        </p:txBody>
-      </p:sp>
-      <p:sp>
-        <p:nvSpPr>
-          <p:cNvPr id="9" name="TextBox 8">
-            <a:extLst>
-              <a:ext uri="{FF2B5EF4-FFF2-40B4-BE49-F238E27FC236}">
-                <a16:creationId xmlns:a16="http://schemas.microsoft.com/office/drawing/2014/main" id="{CACC3346-18D1-E91B-5B34-23482F79ECDB}"/>
-              </a:ext>
-            </a:extLst>
-          </p:cNvPr>
-          <p:cNvSpPr txBox="1"/>
-          <p:nvPr/>
-        </p:nvSpPr>
-        <p:spPr>
-          <a:xfrm>
-            <a:off x="3516315" y="12245009"/>
-            <a:ext cx="9382539" cy="1015663"/>
-          </a:xfrm>
-          <a:prstGeom prst="rect">
-            <a:avLst/>
-          </a:prstGeom>
-          <a:noFill/>
-        </p:spPr>
-        <p:txBody>
-          <a:bodyPr wrap="square" rtlCol="0">
-            <a:spAutoFit/>
-          </a:bodyPr>
-          <a:lstStyle/>
-          <a:p>
-            <a:pPr algn="ctr"/>
-            <a:r>
-              <a:rPr lang="en-US" sz="6000" b="1" dirty="0">
-                <a:latin typeface="Lucida Sans" panose="020B0602030504020204" pitchFamily="34" charset="0"/>
-              </a:rPr>
-              <a:t>Problem Overview</a:t>
-            </a:r>
-          </a:p>
-        </p:txBody>
-      </p:sp>
-      <p:sp>
-        <p:nvSpPr>
-          <p:cNvPr id="13" name="TextBox 12">
-            <a:extLst>
-              <a:ext uri="{FF2B5EF4-FFF2-40B4-BE49-F238E27FC236}">
-                <a16:creationId xmlns:a16="http://schemas.microsoft.com/office/drawing/2014/main" id="{FC265C36-CD1C-4468-2C1E-58D7A3A1709F}"/>
-              </a:ext>
-            </a:extLst>
-          </p:cNvPr>
-          <p:cNvSpPr txBox="1"/>
-          <p:nvPr/>
-        </p:nvSpPr>
-        <p:spPr>
-          <a:xfrm>
-            <a:off x="14707728" y="22851840"/>
-            <a:ext cx="14726206" cy="1015663"/>
-          </a:xfrm>
-          <a:prstGeom prst="rect">
-            <a:avLst/>
-          </a:prstGeom>
-          <a:noFill/>
-        </p:spPr>
-        <p:txBody>
-          <a:bodyPr wrap="square" rtlCol="0">
-            <a:spAutoFit/>
-          </a:bodyPr>
-          <a:lstStyle/>
-          <a:p>
-            <a:pPr algn="ctr"/>
-            <a:r>
-              <a:rPr lang="en-US" sz="6000" b="1" dirty="0">
-                <a:latin typeface="Lucida Sans" panose="020B0602030504020204" pitchFamily="34" charset="0"/>
-              </a:rPr>
-              <a:t>Solution: Pizza Generation Algorithm</a:t>
-            </a:r>
-          </a:p>
-        </p:txBody>
-      </p:sp>
-      <p:sp>
-        <p:nvSpPr>
-          <p:cNvPr id="22" name="TextBox 21">
-            <a:extLst>
-              <a:ext uri="{FF2B5EF4-FFF2-40B4-BE49-F238E27FC236}">
-                <a16:creationId xmlns:a16="http://schemas.microsoft.com/office/drawing/2014/main" id="{2628FDBB-682C-BAC3-8A4E-A73449F0C9CD}"/>
-              </a:ext>
-            </a:extLst>
-          </p:cNvPr>
-          <p:cNvSpPr txBox="1"/>
-          <p:nvPr/>
-        </p:nvSpPr>
-        <p:spPr>
-          <a:xfrm>
-            <a:off x="5680843" y="33600867"/>
-            <a:ext cx="9382539" cy="1015663"/>
-          </a:xfrm>
-          <a:prstGeom prst="rect">
-            <a:avLst/>
-          </a:prstGeom>
-          <a:noFill/>
-        </p:spPr>
-        <p:txBody>
-          <a:bodyPr wrap="square" rtlCol="0">
-            <a:spAutoFit/>
-          </a:bodyPr>
-          <a:lstStyle/>
-          <a:p>
-            <a:pPr algn="ctr"/>
-            <a:r>
-              <a:rPr lang="en-US" sz="6000" b="1" dirty="0">
-                <a:latin typeface="Lucida Sans" panose="020B0602030504020204" pitchFamily="34" charset="0"/>
-              </a:rPr>
-              <a:t>Results: Mobile App</a:t>
-            </a:r>
-          </a:p>
-        </p:txBody>
-      </p:sp>
-      <p:sp>
-        <p:nvSpPr>
-          <p:cNvPr id="23" name="TextBox 22">
-            <a:extLst>
-              <a:ext uri="{FF2B5EF4-FFF2-40B4-BE49-F238E27FC236}">
-                <a16:creationId xmlns:a16="http://schemas.microsoft.com/office/drawing/2014/main" id="{90A4C549-EB45-3201-E30C-064C69A671DB}"/>
-              </a:ext>
-            </a:extLst>
-          </p:cNvPr>
-          <p:cNvSpPr txBox="1"/>
-          <p:nvPr/>
-        </p:nvSpPr>
-        <p:spPr>
-          <a:xfrm>
-            <a:off x="2570820" y="13260672"/>
-            <a:ext cx="6137057" cy="7971413"/>
-          </a:xfrm>
-          <a:prstGeom prst="rect">
-            <a:avLst/>
-          </a:prstGeom>
-          <a:noFill/>
-        </p:spPr>
-        <p:txBody>
-          <a:bodyPr wrap="square" rtlCol="0">
-            <a:spAutoFit/>
-          </a:bodyPr>
-          <a:lstStyle/>
-          <a:p>
-            <a:r>
-              <a:rPr lang="en-US" sz="3200" dirty="0">
-                <a:latin typeface="Lucida Sans" panose="020B0602030504020204" pitchFamily="34" charset="0"/>
-              </a:rPr>
-              <a:t>When someone orders pizza for a large group, they usually just order cheese and pepperoni, hoping nobody will complain. We seek to go beyond this, and create an application that allows a group of people to order pizza that satisfies everyone's preferences. The underlying problem is that, given a set of user preferences, how can we match all of our users to pizzas that will satisfy everyone's unique preferences?</a:t>
-            </a:r>
-          </a:p>
-        </p:txBody>
-      </p:sp>
-      <p:sp>
-        <p:nvSpPr>
-          <p:cNvPr id="25" name="TextBox 24">
-            <a:extLst>
-              <a:ext uri="{FF2B5EF4-FFF2-40B4-BE49-F238E27FC236}">
-                <a16:creationId xmlns:a16="http://schemas.microsoft.com/office/drawing/2014/main" id="{1FC64652-4B32-82FA-8D65-43AAF3069F10}"/>
-              </a:ext>
-            </a:extLst>
-          </p:cNvPr>
-          <p:cNvSpPr txBox="1"/>
-          <p:nvPr/>
-        </p:nvSpPr>
-        <p:spPr>
-          <a:xfrm>
-            <a:off x="8961571" y="13289829"/>
-            <a:ext cx="6287309" cy="7971413"/>
-          </a:xfrm>
-          <a:prstGeom prst="rect">
-            <a:avLst/>
-          </a:prstGeom>
-          <a:noFill/>
-        </p:spPr>
-        <p:txBody>
-          <a:bodyPr wrap="square" rtlCol="0">
-            <a:spAutoFit/>
-          </a:bodyPr>
-          <a:lstStyle/>
-          <a:p>
-            <a:r>
-              <a:rPr lang="en-US" sz="3200" dirty="0">
-                <a:latin typeface="Lucida Sans" panose="020B0602030504020204" pitchFamily="34" charset="0"/>
-              </a:rPr>
-              <a:t>The result of our calculations is successful if it satisfies the following criteria: </a:t>
-            </a:r>
-          </a:p>
-          <a:p>
-            <a:pPr marL="457200" indent="-457200">
-              <a:buFont typeface="Arial" panose="020B0604020202020204" pitchFamily="34" charset="0"/>
-              <a:buChar char="•"/>
-            </a:pPr>
-            <a:r>
-              <a:rPr lang="en-US" sz="3200" dirty="0">
-                <a:latin typeface="Lucida Sans" panose="020B0602030504020204" pitchFamily="34" charset="0"/>
-              </a:rPr>
-              <a:t>All users are satisfied, meaning they get a pizza that has only toppings that they like, and no toppings that they dislike.</a:t>
-            </a:r>
-          </a:p>
-          <a:p>
-            <a:pPr marL="457200" indent="-457200">
-              <a:buFont typeface="Arial" panose="020B0604020202020204" pitchFamily="34" charset="0"/>
-              <a:buChar char="•"/>
-            </a:pPr>
-            <a:r>
-              <a:rPr lang="en-US" sz="3200" dirty="0">
-                <a:latin typeface="Lucida Sans" panose="020B0602030504020204" pitchFamily="34" charset="0"/>
-              </a:rPr>
-              <a:t>The quantity of each selected pizza is proportional to the number of users that would be satisfied by that pizza.</a:t>
-            </a:r>
-          </a:p>
-          <a:p>
-            <a:pPr marL="457200" indent="-457200">
-              <a:buFont typeface="Arial" panose="020B0604020202020204" pitchFamily="34" charset="0"/>
-              <a:buChar char="•"/>
-            </a:pPr>
-            <a:r>
-              <a:rPr lang="en-US" sz="3200" dirty="0">
-                <a:latin typeface="Lucida Sans" panose="020B0602030504020204" pitchFamily="34" charset="0"/>
-              </a:rPr>
-              <a:t>The total quantity of pizzas is proportional to the total number of users.</a:t>
-            </a:r>
-          </a:p>
-        </p:txBody>
-      </p:sp>
-      <p:sp>
-        <p:nvSpPr>
-          <p:cNvPr id="27" name="TextBox 26">
-            <a:extLst>
-              <a:ext uri="{FF2B5EF4-FFF2-40B4-BE49-F238E27FC236}">
-                <a16:creationId xmlns:a16="http://schemas.microsoft.com/office/drawing/2014/main" id="{78D6EF40-7416-DC57-8098-5FF1477332E2}"/>
-              </a:ext>
-            </a:extLst>
-          </p:cNvPr>
-          <p:cNvSpPr txBox="1"/>
-          <p:nvPr/>
-        </p:nvSpPr>
-        <p:spPr>
-          <a:xfrm>
-            <a:off x="13982667" y="23867503"/>
-            <a:ext cx="8088164" cy="6001643"/>
-          </a:xfrm>
-          <a:prstGeom prst="rect">
-            <a:avLst/>
-          </a:prstGeom>
-          <a:noFill/>
-        </p:spPr>
-        <p:txBody>
-          <a:bodyPr wrap="square" rtlCol="0">
-            <a:spAutoFit/>
-          </a:bodyPr>
-          <a:lstStyle/>
-          <a:p>
-            <a:r>
-              <a:rPr lang="en-US" sz="3200" dirty="0">
-                <a:latin typeface="Lucida Sans" panose="020B0602030504020204" pitchFamily="34" charset="0"/>
-              </a:rPr>
-              <a:t>We modeled user preferences as a bipartite graph (see Figure 2). One set of nodes in the graph represents users, and the other represents "candidate" pizzas (i.e., pizzas with different combinations of toppings that people like), and an edge between a user and a node indicates that the user would be satisfied by that pizza. The algorithm applies a variation on a minimum vertex cover in order to find a set of pizzas that satisfies all users. </a:t>
-            </a:r>
-          </a:p>
-        </p:txBody>
-      </p:sp>
-      <p:sp>
-        <p:nvSpPr>
-          <p:cNvPr id="28" name="TextBox 27">
-            <a:extLst>
-              <a:ext uri="{FF2B5EF4-FFF2-40B4-BE49-F238E27FC236}">
-                <a16:creationId xmlns:a16="http://schemas.microsoft.com/office/drawing/2014/main" id="{9018BCFF-31C9-EF32-74FF-01019C03EF9E}"/>
-              </a:ext>
-            </a:extLst>
-          </p:cNvPr>
-          <p:cNvSpPr txBox="1"/>
-          <p:nvPr/>
-        </p:nvSpPr>
-        <p:spPr>
-          <a:xfrm>
-            <a:off x="22224679" y="23867503"/>
-            <a:ext cx="8472818" cy="7478970"/>
-          </a:xfrm>
-          <a:prstGeom prst="rect">
-            <a:avLst/>
-          </a:prstGeom>
-          <a:noFill/>
-        </p:spPr>
-        <p:txBody>
-          <a:bodyPr wrap="square" rtlCol="0">
-            <a:spAutoFit/>
-          </a:bodyPr>
-          <a:lstStyle/>
-          <a:p>
-            <a:r>
-              <a:rPr lang="en-US" sz="3200" b="1" dirty="0">
-                <a:latin typeface="Lucida Sans" panose="020B0602030504020204" pitchFamily="34" charset="0"/>
-              </a:rPr>
-              <a:t>General Greedy Algorithm Strategy:</a:t>
-            </a:r>
-          </a:p>
-          <a:p>
-            <a:pPr marL="457200" indent="-457200">
-              <a:buFont typeface="Arial" panose="020B0604020202020204" pitchFamily="34" charset="0"/>
-              <a:buChar char="•"/>
-            </a:pPr>
-            <a:r>
-              <a:rPr lang="en-US" sz="3200" dirty="0">
-                <a:latin typeface="Lucida Sans" panose="020B0602030504020204" pitchFamily="34" charset="0"/>
-              </a:rPr>
-              <a:t>Select the pizza with the most outgoing edges (the most liked)</a:t>
-            </a:r>
-          </a:p>
-          <a:p>
-            <a:pPr marL="457200" indent="-457200">
-              <a:buFont typeface="Arial" panose="020B0604020202020204" pitchFamily="34" charset="0"/>
-              <a:buChar char="•"/>
-            </a:pPr>
-            <a:r>
-              <a:rPr lang="en-US" sz="3200" dirty="0">
-                <a:latin typeface="Lucida Sans" panose="020B0602030504020204" pitchFamily="34" charset="0"/>
-              </a:rPr>
-              <a:t>Mark all users that like the selection as “satisfied”</a:t>
-            </a:r>
-          </a:p>
-          <a:p>
-            <a:pPr marL="457200" indent="-457200">
-              <a:buFont typeface="Arial" panose="020B0604020202020204" pitchFamily="34" charset="0"/>
-              <a:buChar char="•"/>
-            </a:pPr>
-            <a:r>
-              <a:rPr lang="en-US" sz="3200" dirty="0">
-                <a:latin typeface="Lucida Sans" panose="020B0602030504020204" pitchFamily="34" charset="0"/>
-              </a:rPr>
-              <a:t>Continue selecting the pizza liked by the greatest number of unsatisfied users until everyone is satisfied</a:t>
-            </a:r>
-          </a:p>
-          <a:p>
-            <a:pPr marL="457200" indent="-457200">
-              <a:buFont typeface="Arial" panose="020B0604020202020204" pitchFamily="34" charset="0"/>
-              <a:buChar char="•"/>
-            </a:pPr>
-            <a:r>
-              <a:rPr lang="en-US" sz="3200" dirty="0">
-                <a:latin typeface="Lucida Sans" panose="020B0602030504020204" pitchFamily="34" charset="0"/>
-              </a:rPr>
-              <a:t>Pizza quantities scaled by users satisfied</a:t>
-            </a:r>
-          </a:p>
-          <a:p>
-            <a:r>
-              <a:rPr lang="en-US" sz="3200" b="1" dirty="0">
-                <a:latin typeface="Lucida Sans" panose="020B0602030504020204" pitchFamily="34" charset="0"/>
-              </a:rPr>
-              <a:t>Constraints on Algorithm:</a:t>
-            </a:r>
-          </a:p>
-          <a:p>
-            <a:pPr marL="457200" indent="-457200">
-              <a:buFont typeface="Arial" panose="020B0604020202020204" pitchFamily="34" charset="0"/>
-              <a:buChar char="•"/>
-            </a:pPr>
-            <a:r>
-              <a:rPr lang="en-US" sz="3200" dirty="0">
-                <a:latin typeface="Lucida Sans" panose="020B0602030504020204" pitchFamily="34" charset="0"/>
-              </a:rPr>
-              <a:t>“Greediness” is altered such that the algorithm prefers pizzas with more toppings (to a point)</a:t>
-            </a:r>
-          </a:p>
-          <a:p>
-            <a:pPr marL="457200" indent="-457200">
-              <a:buFont typeface="Arial" panose="020B0604020202020204" pitchFamily="34" charset="0"/>
-              <a:buChar char="•"/>
-            </a:pPr>
-            <a:r>
-              <a:rPr lang="en-US" sz="3200" dirty="0">
-                <a:latin typeface="Lucida Sans" panose="020B0602030504020204" pitchFamily="34" charset="0"/>
-              </a:rPr>
-              <a:t>Can set maximum toppings per pizza</a:t>
-            </a:r>
-          </a:p>
-        </p:txBody>
-      </p:sp>
-      <p:sp>
-        <p:nvSpPr>
-          <p:cNvPr id="29" name="TextBox 28">
-            <a:extLst>
-              <a:ext uri="{FF2B5EF4-FFF2-40B4-BE49-F238E27FC236}">
-                <a16:creationId xmlns:a16="http://schemas.microsoft.com/office/drawing/2014/main" id="{72292A93-F462-01C3-CF70-0698C078BE3C}"/>
-              </a:ext>
-            </a:extLst>
-          </p:cNvPr>
-          <p:cNvSpPr txBox="1"/>
-          <p:nvPr/>
-        </p:nvSpPr>
-        <p:spPr>
-          <a:xfrm>
-            <a:off x="10953499" y="35897415"/>
-            <a:ext cx="8088164" cy="4031873"/>
-          </a:xfrm>
-          <a:prstGeom prst="rect">
-            <a:avLst/>
-          </a:prstGeom>
-          <a:noFill/>
-        </p:spPr>
-        <p:txBody>
-          <a:bodyPr wrap="square" rtlCol="0">
-            <a:spAutoFit/>
-          </a:bodyPr>
-          <a:lstStyle/>
-          <a:p>
-            <a:r>
-              <a:rPr lang="en-US" sz="3200" b="1" dirty="0">
-                <a:latin typeface="Lucida Sans" panose="020B0602030504020204" pitchFamily="34" charset="0"/>
-              </a:rPr>
-              <a:t>App Flow for General Users:</a:t>
-            </a:r>
-          </a:p>
-          <a:p>
-            <a:pPr marL="457200" indent="-457200">
-              <a:buFont typeface="Arial" panose="020B0604020202020204" pitchFamily="34" charset="0"/>
-              <a:buChar char="•"/>
-            </a:pPr>
-            <a:r>
-              <a:rPr lang="en-US" sz="3200" dirty="0">
-                <a:latin typeface="Lucida Sans" panose="020B0602030504020204" pitchFamily="34" charset="0"/>
-              </a:rPr>
-              <a:t>Obtain “order code” shared by Order Admin</a:t>
-            </a:r>
-          </a:p>
-          <a:p>
-            <a:pPr marL="457200" indent="-457200">
-              <a:buFont typeface="Arial" panose="020B0604020202020204" pitchFamily="34" charset="0"/>
-              <a:buChar char="•"/>
-            </a:pPr>
-            <a:r>
-              <a:rPr lang="en-US" sz="3200" dirty="0">
-                <a:latin typeface="Lucida Sans" panose="020B0602030504020204" pitchFamily="34" charset="0"/>
-              </a:rPr>
-              <a:t>Enter name and select desired toppings</a:t>
-            </a:r>
-          </a:p>
-          <a:p>
-            <a:pPr marL="457200" indent="-457200">
-              <a:buFont typeface="Arial" panose="020B0604020202020204" pitchFamily="34" charset="0"/>
-              <a:buChar char="•"/>
-            </a:pPr>
-            <a:r>
-              <a:rPr lang="en-US" sz="3200" dirty="0">
-                <a:latin typeface="Lucida Sans" panose="020B0602030504020204" pitchFamily="34" charset="0"/>
-              </a:rPr>
-              <a:t>Submit your preferences to be used in the order</a:t>
-            </a:r>
-          </a:p>
-          <a:p>
-            <a:pPr marL="457200" indent="-457200">
-              <a:buFont typeface="Arial" panose="020B0604020202020204" pitchFamily="34" charset="0"/>
-              <a:buChar char="•"/>
-            </a:pPr>
-            <a:endParaRPr lang="en-US" sz="3200" dirty="0">
-              <a:latin typeface="Lucida Sans" panose="020B0602030504020204" pitchFamily="34" charset="0"/>
-            </a:endParaRPr>
-          </a:p>
-        </p:txBody>
-      </p:sp>
-      <p:sp>
-        <p:nvSpPr>
-          <p:cNvPr id="30" name="TextBox 29">
-            <a:extLst>
-              <a:ext uri="{FF2B5EF4-FFF2-40B4-BE49-F238E27FC236}">
-                <a16:creationId xmlns:a16="http://schemas.microsoft.com/office/drawing/2014/main" id="{E29FE075-6D4D-2B5D-9738-4595E65DBF10}"/>
-              </a:ext>
-            </a:extLst>
-          </p:cNvPr>
-          <p:cNvSpPr txBox="1"/>
-          <p:nvPr/>
-        </p:nvSpPr>
-        <p:spPr>
-          <a:xfrm>
-            <a:off x="2904933" y="35897415"/>
-            <a:ext cx="8088164" cy="6494085"/>
-          </a:xfrm>
-          <a:prstGeom prst="rect">
-            <a:avLst/>
-          </a:prstGeom>
-          <a:noFill/>
-        </p:spPr>
-        <p:txBody>
-          <a:bodyPr wrap="square" rtlCol="0">
-            <a:spAutoFit/>
-          </a:bodyPr>
-          <a:lstStyle/>
-          <a:p>
-            <a:r>
-              <a:rPr lang="en-US" sz="3200" b="1" dirty="0">
-                <a:latin typeface="Lucida Sans" panose="020B0602030504020204" pitchFamily="34" charset="0"/>
-              </a:rPr>
-              <a:t>App Flow for Order Admin:</a:t>
-            </a:r>
-          </a:p>
-          <a:p>
-            <a:pPr marL="457200" indent="-457200">
-              <a:buFont typeface="Arial" panose="020B0604020202020204" pitchFamily="34" charset="0"/>
-              <a:buChar char="•"/>
-            </a:pPr>
-            <a:r>
-              <a:rPr lang="en-US" sz="3200" dirty="0">
-                <a:latin typeface="Lucida Sans" panose="020B0602030504020204" pitchFamily="34" charset="0"/>
-              </a:rPr>
-              <a:t>Create an order using button on home page</a:t>
-            </a:r>
-          </a:p>
-          <a:p>
-            <a:pPr marL="457200" indent="-457200">
-              <a:buFont typeface="Arial" panose="020B0604020202020204" pitchFamily="34" charset="0"/>
-              <a:buChar char="•"/>
-            </a:pPr>
-            <a:r>
-              <a:rPr lang="en-US" sz="3200" dirty="0">
-                <a:latin typeface="Lucida Sans" panose="020B0602030504020204" pitchFamily="34" charset="0"/>
-              </a:rPr>
-              <a:t>Adjust optional parameters (e.g., maximum toppings per pizza)</a:t>
-            </a:r>
-          </a:p>
-          <a:p>
-            <a:pPr marL="457200" indent="-457200">
-              <a:buFont typeface="Arial" panose="020B0604020202020204" pitchFamily="34" charset="0"/>
-              <a:buChar char="•"/>
-            </a:pPr>
-            <a:r>
-              <a:rPr lang="en-US" sz="3200" dirty="0">
-                <a:latin typeface="Lucida Sans" panose="020B0602030504020204" pitchFamily="34" charset="0"/>
-              </a:rPr>
-              <a:t>Obtain “order code” and share it with others</a:t>
-            </a:r>
-          </a:p>
-          <a:p>
-            <a:pPr marL="457200" indent="-457200">
-              <a:buFont typeface="Arial" panose="020B0604020202020204" pitchFamily="34" charset="0"/>
-              <a:buChar char="•"/>
-            </a:pPr>
-            <a:r>
-              <a:rPr lang="en-US" sz="3200" dirty="0">
-                <a:latin typeface="Lucida Sans" panose="020B0602030504020204" pitchFamily="34" charset="0"/>
-              </a:rPr>
-              <a:t>Observe as users submit preferences</a:t>
-            </a:r>
-          </a:p>
-          <a:p>
-            <a:pPr marL="457200" indent="-457200">
-              <a:buFont typeface="Arial" panose="020B0604020202020204" pitchFamily="34" charset="0"/>
-              <a:buChar char="•"/>
-            </a:pPr>
-            <a:r>
-              <a:rPr lang="en-US" sz="3200" dirty="0">
-                <a:latin typeface="Lucida Sans" panose="020B0602030504020204" pitchFamily="34" charset="0"/>
-              </a:rPr>
-              <a:t>Once everyone has submitted, generate order</a:t>
-            </a:r>
-          </a:p>
-          <a:p>
-            <a:pPr marL="457200" indent="-457200">
-              <a:buFont typeface="Arial" panose="020B0604020202020204" pitchFamily="34" charset="0"/>
-              <a:buChar char="•"/>
-            </a:pPr>
-            <a:r>
-              <a:rPr lang="en-US" sz="3200" dirty="0">
-                <a:latin typeface="Lucida Sans" panose="020B0602030504020204" pitchFamily="34" charset="0"/>
-              </a:rPr>
-              <a:t>The result will be our algorithm’s suggestions for what pizzas to order</a:t>
-            </a:r>
-          </a:p>
-          <a:p>
-            <a:pPr marL="457200" indent="-457200">
-              <a:buFont typeface="Arial" panose="020B0604020202020204" pitchFamily="34" charset="0"/>
-              <a:buChar char="•"/>
-            </a:pPr>
-            <a:endParaRPr lang="en-US" sz="3200" dirty="0">
-              <a:latin typeface="Lucida Sans" panose="020B0602030504020204" pitchFamily="34" charset="0"/>
-            </a:endParaRPr>
-          </a:p>
-        </p:txBody>
-      </p:sp>
-      <p:sp>
-        <p:nvSpPr>
-          <p:cNvPr id="31" name="TextBox 30">
-            <a:extLst>
-              <a:ext uri="{FF2B5EF4-FFF2-40B4-BE49-F238E27FC236}">
-                <a16:creationId xmlns:a16="http://schemas.microsoft.com/office/drawing/2014/main" id="{AD1835D1-ACA0-7A73-2853-7CF2EB25EBA4}"/>
-              </a:ext>
-            </a:extLst>
-          </p:cNvPr>
-          <p:cNvSpPr txBox="1"/>
-          <p:nvPr/>
-        </p:nvSpPr>
-        <p:spPr>
-          <a:xfrm>
-            <a:off x="3308322" y="34756614"/>
-            <a:ext cx="15369550" cy="1077218"/>
-          </a:xfrm>
-          <a:prstGeom prst="rect">
-            <a:avLst/>
-          </a:prstGeom>
-          <a:noFill/>
-        </p:spPr>
-        <p:txBody>
-          <a:bodyPr wrap="square" rtlCol="0">
-            <a:spAutoFit/>
-          </a:bodyPr>
-          <a:lstStyle/>
-          <a:p>
-            <a:pPr algn="ctr"/>
-            <a:r>
-              <a:rPr lang="en-US" sz="3200" dirty="0">
-                <a:latin typeface="Lucida Sans" panose="020B0602030504020204" pitchFamily="34" charset="0"/>
-              </a:rPr>
-              <a:t>There are two classes of app users: Order Administrators (the person organizing the pizza order), and General Users (everyone included in order)</a:t>
-            </a:r>
-          </a:p>
-        </p:txBody>
-      </p:sp>
     </p:spTree>
     <p:extLst>
       <p:ext uri="{BB962C8B-B14F-4D97-AF65-F5344CB8AC3E}">
